--- a/NFT_Avengger.pptx
+++ b/NFT_Avengger.pptx
@@ -9,6 +9,7 @@
     <p:sldId id="288" r:id="rId6"/>
     <p:sldId id="289" r:id="rId7"/>
     <p:sldId id="290" r:id="rId8"/>
+    <p:sldId id="291" r:id="rId9"/>
   </p:sldIdLst>
   <p:sldSz cx="12192000" cy="6858000"/>
   <p:notesSz cx="6858000" cy="9144000"/>
@@ -4216,7 +4217,7 @@
           <a:p>
             <a:fld id="{ED291B17-9318-49DB-B28B-6E5994AE9581}" type="datetime1">
               <a:rPr lang="en-US" smtClean="0"/>
-              <a:t>10/18/2021</a:t>
+              <a:t>10/23/2021</a:t>
             </a:fld>
             <a:endParaRPr lang="en-US" dirty="0"/>
           </a:p>
@@ -4414,7 +4415,7 @@
           <a:p>
             <a:fld id="{78DD82B9-B8EE-4375-B6FF-88FA6ABB15D9}" type="datetime1">
               <a:rPr lang="en-US" smtClean="0"/>
-              <a:t>10/18/2021</a:t>
+              <a:t>10/23/2021</a:t>
             </a:fld>
             <a:endParaRPr lang="en-US" dirty="0"/>
           </a:p>
@@ -4726,7 +4727,7 @@
           <a:p>
             <a:fld id="{B2497495-0637-405E-AE64-5CC7506D51F5}" type="datetime1">
               <a:rPr lang="en-US" smtClean="0"/>
-              <a:t>10/18/2021</a:t>
+              <a:t>10/23/2021</a:t>
             </a:fld>
             <a:endParaRPr lang="en-US" dirty="0"/>
           </a:p>
@@ -4979,7 +4980,7 @@
           <a:p>
             <a:fld id="{7BFFD690-9426-415D-8B65-26881E07B2D4}" type="datetime1">
               <a:rPr lang="en-US" smtClean="0"/>
-              <a:t>10/18/2021</a:t>
+              <a:t>10/23/2021</a:t>
             </a:fld>
             <a:endParaRPr lang="en-US" dirty="0"/>
           </a:p>
@@ -5401,7 +5402,7 @@
           <a:p>
             <a:fld id="{04C4989A-474C-40DE-95B9-011C28B71673}" type="datetime1">
               <a:rPr lang="en-US" smtClean="0"/>
-              <a:t>10/18/2021</a:t>
+              <a:t>10/23/2021</a:t>
             </a:fld>
             <a:endParaRPr lang="en-US" dirty="0"/>
           </a:p>
@@ -5524,7 +5525,7 @@
           <a:p>
             <a:fld id="{5DB4ED54-5B5E-4A04-93D3-5772E3CE3818}" type="datetime1">
               <a:rPr lang="en-US" smtClean="0"/>
-              <a:t>10/18/2021</a:t>
+              <a:t>10/23/2021</a:t>
             </a:fld>
             <a:endParaRPr lang="en-US" dirty="0"/>
           </a:p>
@@ -5619,7 +5620,7 @@
           <a:p>
             <a:fld id="{4EDE50D6-574B-40AF-946F-D52A04ADE379}" type="datetime1">
               <a:rPr lang="en-US" smtClean="0"/>
-              <a:t>10/18/2021</a:t>
+              <a:t>10/23/2021</a:t>
             </a:fld>
             <a:endParaRPr lang="en-US" dirty="0"/>
           </a:p>
@@ -5996,7 +5997,7 @@
           <a:p>
             <a:fld id="{D82884F1-FFEA-405F-9602-3DCA865EDA4E}" type="datetime1">
               <a:rPr lang="en-US" smtClean="0"/>
-              <a:t>10/18/2021</a:t>
+              <a:t>10/23/2021</a:t>
             </a:fld>
             <a:endParaRPr lang="en-US" dirty="0"/>
           </a:p>
@@ -6289,7 +6290,7 @@
           <a:p>
             <a:fld id="{7E18DB4A-8810-4A10-AD5C-D5E2C667F5B3}" type="datetime1">
               <a:rPr lang="en-US" smtClean="0"/>
-              <a:t>10/18/2021</a:t>
+              <a:t>10/23/2021</a:t>
             </a:fld>
             <a:endParaRPr lang="en-US" dirty="0"/>
           </a:p>
@@ -6504,7 +6505,7 @@
           <a:p>
             <a:fld id="{ED291B17-9318-49DB-B28B-6E5994AE9581}" type="datetime1">
               <a:rPr lang="en-US" smtClean="0"/>
-              <a:t>10/18/2021</a:t>
+              <a:t>10/23/2021</a:t>
             </a:fld>
             <a:endParaRPr lang="en-US" dirty="0"/>
           </a:p>
@@ -7784,7 +7785,274 @@
           <a:bodyPr/>
           <a:lstStyle/>
           <a:p>
+            <a:r>
+              <a:rPr lang="en-US" dirty="0"/>
+              <a:t>- Digital Signature include info: </a:t>
+            </a:r>
+            <a:r>
+              <a:rPr lang="en-US" dirty="0" err="1"/>
+              <a:t>Cerfiticate</a:t>
+            </a:r>
+            <a:r>
+              <a:rPr lang="en-US" dirty="0"/>
+              <a:t>, address </a:t>
+            </a:r>
+            <a:r>
+              <a:rPr lang="en-US" dirty="0" err="1"/>
+              <a:t>metamask</a:t>
+            </a:r>
+            <a:r>
+              <a:rPr lang="en-US" dirty="0"/>
+              <a:t>, … ?</a:t>
+            </a:r>
+          </a:p>
+          <a:p>
+            <a:r>
+              <a:rPr lang="en-US" dirty="0"/>
+              <a:t>- Problem: </a:t>
+            </a:r>
+          </a:p>
+          <a:p>
+            <a:r>
+              <a:rPr lang="en-US" dirty="0"/>
+              <a:t>Solution: Co ưu </a:t>
+            </a:r>
+            <a:r>
+              <a:rPr lang="en-US" dirty="0" err="1"/>
+              <a:t>điểm</a:t>
+            </a:r>
+            <a:r>
+              <a:rPr lang="en-US" dirty="0"/>
+              <a:t> </a:t>
+            </a:r>
+            <a:r>
+              <a:rPr lang="en-US" dirty="0" err="1"/>
+              <a:t>gì</a:t>
+            </a:r>
+            <a:r>
+              <a:rPr lang="en-US" dirty="0"/>
+              <a:t> </a:t>
+            </a:r>
+            <a:r>
+              <a:rPr lang="en-US" dirty="0" err="1"/>
+              <a:t>hơn</a:t>
+            </a:r>
+            <a:r>
+              <a:rPr lang="en-US" dirty="0"/>
+              <a:t> so </a:t>
+            </a:r>
+            <a:r>
+              <a:rPr lang="en-US" dirty="0" err="1"/>
+              <a:t>với</a:t>
+            </a:r>
+            <a:r>
+              <a:rPr lang="en-US" dirty="0"/>
+              <a:t> </a:t>
+            </a:r>
+            <a:r>
+              <a:rPr lang="en-US" dirty="0" err="1"/>
+              <a:t>đối</a:t>
+            </a:r>
+            <a:r>
+              <a:rPr lang="en-US" dirty="0"/>
+              <a:t> </a:t>
+            </a:r>
+            <a:r>
+              <a:rPr lang="en-US" dirty="0" err="1"/>
+              <a:t>thủ</a:t>
+            </a:r>
             <a:endParaRPr lang="en-US" dirty="0"/>
+          </a:p>
+          <a:p>
+            <a:r>
+              <a:rPr lang="en-US" dirty="0"/>
+              <a:t>Roadmap : </a:t>
+            </a:r>
+            <a:r>
+              <a:rPr lang="en-US" dirty="0" err="1"/>
+              <a:t>phát</a:t>
+            </a:r>
+            <a:r>
+              <a:rPr lang="en-US" dirty="0"/>
+              <a:t> </a:t>
+            </a:r>
+            <a:r>
+              <a:rPr lang="en-US" dirty="0" err="1"/>
+              <a:t>triển</a:t>
+            </a:r>
+            <a:r>
+              <a:rPr lang="en-US" dirty="0"/>
+              <a:t> các </a:t>
+            </a:r>
+            <a:r>
+              <a:rPr lang="en-US" dirty="0" err="1"/>
+              <a:t>tính</a:t>
+            </a:r>
+            <a:r>
+              <a:rPr lang="en-US" dirty="0"/>
+              <a:t> </a:t>
+            </a:r>
+            <a:r>
+              <a:rPr lang="en-US" dirty="0" err="1"/>
+              <a:t>năng</a:t>
+            </a:r>
+            <a:endParaRPr lang="en-US" dirty="0"/>
+          </a:p>
+          <a:p>
+            <a:r>
+              <a:rPr lang="en-US" dirty="0"/>
+              <a:t>Work-flow diagram, </a:t>
+            </a:r>
+          </a:p>
+          <a:p>
+            <a:r>
+              <a:rPr lang="en-US" dirty="0"/>
+              <a:t>Ideas: </a:t>
+            </a:r>
+            <a:r>
+              <a:rPr lang="en-US" dirty="0" err="1"/>
+              <a:t>linkle</a:t>
+            </a:r>
+            <a:r>
+              <a:rPr lang="en-US" dirty="0"/>
+              <a:t>-in, </a:t>
+            </a:r>
+            <a:r>
+              <a:rPr lang="en-US" dirty="0" err="1"/>
+              <a:t>cung</a:t>
+            </a:r>
+            <a:r>
+              <a:rPr lang="en-US" dirty="0"/>
+              <a:t> </a:t>
+            </a:r>
+            <a:r>
+              <a:rPr lang="en-US" dirty="0" err="1"/>
+              <a:t>cấp</a:t>
+            </a:r>
+            <a:r>
+              <a:rPr lang="en-US" dirty="0"/>
+              <a:t> link URL </a:t>
+            </a:r>
+            <a:r>
+              <a:rPr lang="en-US" dirty="0" err="1"/>
+              <a:t>đến</a:t>
+            </a:r>
+            <a:r>
+              <a:rPr lang="en-US" dirty="0"/>
+              <a:t> </a:t>
+            </a:r>
+            <a:r>
+              <a:rPr lang="en-US" dirty="0" err="1"/>
+              <a:t>trang</a:t>
+            </a:r>
+            <a:r>
+              <a:rPr lang="en-US" dirty="0"/>
+              <a:t> </a:t>
+            </a:r>
+            <a:r>
+              <a:rPr lang="en-US" dirty="0" err="1"/>
+              <a:t>của</a:t>
+            </a:r>
+            <a:r>
+              <a:rPr lang="en-US" dirty="0"/>
+              <a:t> </a:t>
+            </a:r>
+            <a:r>
+              <a:rPr lang="en-US" dirty="0" err="1"/>
+              <a:t>nhà</a:t>
+            </a:r>
+            <a:r>
+              <a:rPr lang="en-US" dirty="0"/>
+              <a:t> </a:t>
+            </a:r>
+            <a:r>
+              <a:rPr lang="en-US" dirty="0" err="1"/>
+              <a:t>phát</a:t>
+            </a:r>
+            <a:r>
+              <a:rPr lang="en-US" dirty="0"/>
+              <a:t> </a:t>
+            </a:r>
+            <a:r>
+              <a:rPr lang="en-US" dirty="0" err="1"/>
+              <a:t>hành</a:t>
+            </a:r>
+            <a:r>
+              <a:rPr lang="en-US" dirty="0"/>
+              <a:t> NFT metadata, voting để burn các NFT </a:t>
+            </a:r>
+            <a:r>
+              <a:rPr lang="en-US" dirty="0" err="1"/>
+              <a:t>không</a:t>
+            </a:r>
+            <a:r>
+              <a:rPr lang="en-US" dirty="0"/>
+              <a:t> </a:t>
+            </a:r>
+            <a:r>
+              <a:rPr lang="en-US" dirty="0" err="1"/>
+              <a:t>phù</a:t>
+            </a:r>
+            <a:r>
+              <a:rPr lang="en-US" dirty="0"/>
+              <a:t> </a:t>
+            </a:r>
+            <a:r>
+              <a:rPr lang="en-US" dirty="0" err="1"/>
+              <a:t>hợp</a:t>
+            </a:r>
+            <a:r>
+              <a:rPr lang="en-US" dirty="0"/>
+              <a:t>, </a:t>
+            </a:r>
+            <a:r>
+              <a:rPr lang="en-US" dirty="0" err="1"/>
+              <a:t>tokenomic</a:t>
+            </a:r>
+            <a:r>
+              <a:rPr lang="en-US" dirty="0"/>
+              <a:t>, ý </a:t>
+            </a:r>
+            <a:r>
+              <a:rPr lang="en-US" dirty="0" err="1"/>
+              <a:t>tưởng</a:t>
+            </a:r>
+            <a:r>
+              <a:rPr lang="en-US" dirty="0"/>
+              <a:t> them </a:t>
+            </a:r>
+            <a:r>
+              <a:rPr lang="en-US" dirty="0" err="1"/>
+              <a:t>ngoài</a:t>
+            </a:r>
+            <a:r>
+              <a:rPr lang="en-US" dirty="0"/>
+              <a:t> </a:t>
+            </a:r>
+            <a:r>
+              <a:rPr lang="en-US" dirty="0" err="1"/>
+              <a:t>việc</a:t>
+            </a:r>
+            <a:r>
+              <a:rPr lang="en-US" dirty="0"/>
+              <a:t> </a:t>
+            </a:r>
+            <a:r>
+              <a:rPr lang="en-US" dirty="0" err="1"/>
+              <a:t>phát</a:t>
+            </a:r>
+            <a:r>
+              <a:rPr lang="en-US" dirty="0"/>
+              <a:t> </a:t>
+            </a:r>
+            <a:r>
+              <a:rPr lang="en-US" dirty="0" err="1"/>
+              <a:t>hành</a:t>
+            </a:r>
+            <a:r>
+              <a:rPr lang="en-US" dirty="0"/>
+              <a:t> NFT</a:t>
+            </a:r>
           </a:p>
         </p:txBody>
       </p:sp>
@@ -7792,6 +8060,154 @@
     <p:extLst>
       <p:ext uri="{BB962C8B-B14F-4D97-AF65-F5344CB8AC3E}">
         <p14:creationId xmlns:p14="http://schemas.microsoft.com/office/powerpoint/2010/main" val="2434975821"/>
+      </p:ext>
+    </p:extLst>
+  </p:cSld>
+  <p:clrMapOvr>
+    <a:masterClrMapping/>
+  </p:clrMapOvr>
+</p:sld>
+</file>
+
+<file path=ppt/slides/slide5.xml><?xml version="1.0" encoding="utf-8"?>
+<p:sld xmlns:a="http://schemas.openxmlformats.org/drawingml/2006/main" xmlns:r="http://schemas.openxmlformats.org/officeDocument/2006/relationships" xmlns:p="http://schemas.openxmlformats.org/presentationml/2006/main">
+  <p:cSld>
+    <p:spTree>
+      <p:nvGrpSpPr>
+        <p:cNvPr id="1" name=""/>
+        <p:cNvGrpSpPr/>
+        <p:nvPr/>
+      </p:nvGrpSpPr>
+      <p:grpSpPr>
+        <a:xfrm>
+          <a:off x="0" y="0"/>
+          <a:ext cx="0" cy="0"/>
+          <a:chOff x="0" y="0"/>
+          <a:chExt cx="0" cy="0"/>
+        </a:xfrm>
+      </p:grpSpPr>
+      <p:sp>
+        <p:nvSpPr>
+          <p:cNvPr id="2" name="Title 1">
+            <a:extLst>
+              <a:ext uri="{FF2B5EF4-FFF2-40B4-BE49-F238E27FC236}">
+                <a16:creationId xmlns:a16="http://schemas.microsoft.com/office/drawing/2014/main" id="{40EF7BA1-B83C-4CEC-A98C-4319AFEA8DE0}"/>
+              </a:ext>
+            </a:extLst>
+          </p:cNvPr>
+          <p:cNvSpPr>
+            <a:spLocks noGrp="1"/>
+          </p:cNvSpPr>
+          <p:nvPr>
+            <p:ph type="title"/>
+          </p:nvPr>
+        </p:nvSpPr>
+        <p:spPr/>
+        <p:txBody>
+          <a:bodyPr/>
+          <a:lstStyle/>
+          <a:p>
+            <a:r>
+              <a:rPr lang="en-US" dirty="0"/>
+              <a:t>TASKS</a:t>
+            </a:r>
+          </a:p>
+        </p:txBody>
+      </p:sp>
+      <p:sp>
+        <p:nvSpPr>
+          <p:cNvPr id="3" name="Content Placeholder 2">
+            <a:extLst>
+              <a:ext uri="{FF2B5EF4-FFF2-40B4-BE49-F238E27FC236}">
+                <a16:creationId xmlns:a16="http://schemas.microsoft.com/office/drawing/2014/main" id="{138D1860-98AB-43CE-9847-83F57123B856}"/>
+              </a:ext>
+            </a:extLst>
+          </p:cNvPr>
+          <p:cNvSpPr>
+            <a:spLocks noGrp="1"/>
+          </p:cNvSpPr>
+          <p:nvPr>
+            <p:ph idx="1"/>
+          </p:nvPr>
+        </p:nvSpPr>
+        <p:spPr/>
+        <p:txBody>
+          <a:bodyPr/>
+          <a:lstStyle/>
+          <a:p>
+            <a:r>
+              <a:rPr lang="en-US" dirty="0"/>
+              <a:t>Proposal: </a:t>
+            </a:r>
+            <a:r>
+              <a:rPr lang="en-US" dirty="0" err="1"/>
+              <a:t>Mô</a:t>
+            </a:r>
+            <a:r>
+              <a:rPr lang="en-US" dirty="0"/>
+              <a:t> </a:t>
+            </a:r>
+            <a:r>
+              <a:rPr lang="en-US" dirty="0" err="1"/>
+              <a:t>tả</a:t>
+            </a:r>
+            <a:r>
+              <a:rPr lang="en-US" dirty="0"/>
+              <a:t> ý </a:t>
+            </a:r>
+            <a:r>
+              <a:rPr lang="en-US" dirty="0" err="1"/>
+              <a:t>tưởng</a:t>
+            </a:r>
+            <a:r>
+              <a:rPr lang="en-US" dirty="0"/>
+              <a:t> </a:t>
+            </a:r>
+            <a:r>
+              <a:rPr lang="en-US" dirty="0" err="1"/>
+              <a:t>sản</a:t>
+            </a:r>
+            <a:r>
+              <a:rPr lang="en-US" dirty="0"/>
+              <a:t> </a:t>
+            </a:r>
+            <a:r>
+              <a:rPr lang="en-US" dirty="0" err="1"/>
+              <a:t>phẩm</a:t>
+            </a:r>
+            <a:r>
+              <a:rPr lang="en-US" dirty="0"/>
+              <a:t> (</a:t>
+            </a:r>
+            <a:r>
+              <a:rPr lang="en-US" dirty="0" err="1"/>
+              <a:t>ngắn</a:t>
+            </a:r>
+            <a:r>
+              <a:rPr lang="en-US" dirty="0"/>
+              <a:t>, </a:t>
+            </a:r>
+            <a:r>
+              <a:rPr lang="en-US" dirty="0" err="1"/>
+              <a:t>dài</a:t>
+            </a:r>
+            <a:r>
+              <a:rPr lang="en-US" dirty="0"/>
+              <a:t>) : 2021-10-23</a:t>
+            </a:r>
+          </a:p>
+          <a:p>
+            <a:endParaRPr lang="en-US" dirty="0"/>
+          </a:p>
+          <a:p>
+            <a:endParaRPr lang="en-US" dirty="0"/>
+          </a:p>
+        </p:txBody>
+      </p:sp>
+    </p:spTree>
+    <p:extLst>
+      <p:ext uri="{BB962C8B-B14F-4D97-AF65-F5344CB8AC3E}">
+        <p14:creationId xmlns:p14="http://schemas.microsoft.com/office/powerpoint/2010/main" val="3465029245"/>
       </p:ext>
     </p:extLst>
   </p:cSld>
@@ -8071,20 +8487,20 @@
 </file>
 
 <file path=customXml/item1.xml><?xml version="1.0" encoding="utf-8"?>
-<p:properties xmlns:p="http://schemas.microsoft.com/office/2006/metadata/properties" xmlns:xsi="http://www.w3.org/2001/XMLSchema-instance" xmlns:pc="http://schemas.microsoft.com/office/infopath/2007/PartnerControls">
-  <documentManagement>
-    <MediaServiceKeyPoints xmlns="026665c7-3372-44f5-9f56-db7374a99206" xsi:nil="true"/>
-  </documentManagement>
-</p:properties>
-</file>
-
-<file path=customXml/item2.xml><?xml version="1.0" encoding="utf-8"?>
 <?mso-contentType ?>
 <FormTemplates xmlns="http://schemas.microsoft.com/sharepoint/v3/contenttype/forms">
   <Display>DocumentLibraryForm</Display>
   <Edit>DocumentLibraryForm</Edit>
   <New>DocumentLibraryForm</New>
 </FormTemplates>
+</file>
+
+<file path=customXml/item2.xml><?xml version="1.0" encoding="utf-8"?>
+<p:properties xmlns:p="http://schemas.microsoft.com/office/2006/metadata/properties" xmlns:xsi="http://www.w3.org/2001/XMLSchema-instance" xmlns:pc="http://schemas.microsoft.com/office/infopath/2007/PartnerControls">
+  <documentManagement>
+    <MediaServiceKeyPoints xmlns="026665c7-3372-44f5-9f56-db7374a99206" xsi:nil="true"/>
+  </documentManagement>
+</p:properties>
 </file>
 
 <file path=customXml/item3.xml><?xml version="1.0" encoding="utf-8"?>
@@ -8305,6 +8721,14 @@
 </file>
 
 <file path=customXml/itemProps1.xml><?xml version="1.0" encoding="utf-8"?>
+<ds:datastoreItem xmlns:ds="http://schemas.openxmlformats.org/officeDocument/2006/customXml" ds:itemID="{BB3242A4-1E6A-4E02-809C-4A24066EC01D}">
+  <ds:schemaRefs>
+    <ds:schemaRef ds:uri="http://schemas.microsoft.com/sharepoint/v3/contenttype/forms"/>
+  </ds:schemaRefs>
+</ds:datastoreItem>
+</file>
+
+<file path=customXml/itemProps2.xml><?xml version="1.0" encoding="utf-8"?>
 <ds:datastoreItem xmlns:ds="http://schemas.openxmlformats.org/officeDocument/2006/customXml" ds:itemID="{FBD2D995-20F0-4C14-BF62-1248AB4B484D}">
   <ds:schemaRefs>
     <ds:schemaRef ds:uri="http://purl.org/dc/dcmitype/"/>
@@ -8317,14 +8741,6 @@
     <ds:schemaRef ds:uri="http://schemas.openxmlformats.org/package/2006/metadata/core-properties"/>
     <ds:schemaRef ds:uri="026665c7-3372-44f5-9f56-db7374a99206"/>
     <ds:schemaRef ds:uri="http://schemas.microsoft.com/office/2006/metadata/properties"/>
-  </ds:schemaRefs>
-</ds:datastoreItem>
-</file>
-
-<file path=customXml/itemProps2.xml><?xml version="1.0" encoding="utf-8"?>
-<ds:datastoreItem xmlns:ds="http://schemas.openxmlformats.org/officeDocument/2006/customXml" ds:itemID="{BB3242A4-1E6A-4E02-809C-4A24066EC01D}">
-  <ds:schemaRefs>
-    <ds:schemaRef ds:uri="http://schemas.microsoft.com/sharepoint/v3/contenttype/forms"/>
   </ds:schemaRefs>
 </ds:datastoreItem>
 </file>
